--- a/Презентация.pptx
+++ b/Презентация.pptx
@@ -255,7 +255,7 @@
   </p:defaultTextStyle>
   <p:extLst>
     <p:ext uri="{EFAFB233-063F-42B5-8137-9DF3F51BA10A}">
-      <p15:sldGuideLst xmlns:p15="http://schemas.microsoft.com/office/powerpoint/2012/main" xmlns:p14="http://schemas.microsoft.com/office/powerpoint/2010/main" xmlns:com="http://schemas.openxmlformats.org/drawingml/2006/compatibility" xmlns:pvml="urn:schemas-microsoft-com:office:powerpoint" xmlns:v="urn:schemas-microsoft-com:vml" xmlns:o="urn:schemas-microsoft-com:office:office" xmlns:dgm="http://schemas.openxmlformats.org/drawingml/2006/diagram" xmlns:c="http://schemas.openxmlformats.org/drawingml/2006/chart" xmlns:mv="urn:schemas-microsoft-com:mac:vml" xmlns:mc="http://schemas.openxmlformats.org/markup-compatibility/2006" xmlns="">
+      <p15:sldGuideLst xmlns="" xmlns:mc="http://schemas.openxmlformats.org/markup-compatibility/2006" xmlns:mv="urn:schemas-microsoft-com:mac:vml" xmlns:c="http://schemas.openxmlformats.org/drawingml/2006/chart" xmlns:dgm="http://schemas.openxmlformats.org/drawingml/2006/diagram" xmlns:o="urn:schemas-microsoft-com:office:office" xmlns:v="urn:schemas-microsoft-com:vml" xmlns:pvml="urn:schemas-microsoft-com:office:powerpoint" xmlns:com="http://schemas.openxmlformats.org/drawingml/2006/compatibility" xmlns:p14="http://schemas.microsoft.com/office/powerpoint/2010/main" xmlns:p15="http://schemas.microsoft.com/office/powerpoint/2012/main">
         <p15:guide id="1" orient="horz" pos="1620">
           <p15:clr>
             <a:srgbClr val="A4A3A4"/>
@@ -1574,7 +1574,7 @@
         </p:nvSpPr>
         <p:spPr>
           <a:xfrm>
-            <a:off x="381300" y="685800"/>
+            <a:off x="381000" y="685800"/>
             <a:ext cx="6096000" cy="3429000"/>
           </a:xfrm>
           <a:custGeom>
@@ -8265,8 +8265,27 @@
               <a:buNone/>
             </a:pPr>
             <a:r>
+              <a:rPr lang="ru" dirty="0" smtClean="0"/>
+              <a:t>В программе 675 строк вместе с комментариями</a:t>
+            </a:r>
+          </a:p>
+          <a:p>
+            <a:pPr marL="0" lvl="0" indent="0" algn="l" rtl="0">
+              <a:spcBef>
+                <a:spcPts val="0"/>
+              </a:spcBef>
+              <a:spcAft>
+                <a:spcPts val="0"/>
+              </a:spcAft>
+              <a:buNone/>
+            </a:pPr>
+            <a:r>
+              <a:rPr lang="ru" dirty="0" smtClean="0"/>
+              <a:t>Программа </a:t>
+            </a:r>
+            <a:r>
               <a:rPr lang="ru" dirty="0"/>
-              <a:t>Программа состоит из 5 классов: </a:t>
+              <a:t>состоит из 5 классов: </a:t>
             </a:r>
             <a:endParaRPr dirty="0"/>
           </a:p>
